--- a/PPT/EP1-2020-05-25.pptx
+++ b/PPT/EP1-2020-05-25.pptx
@@ -214,7 +214,7 @@
           <a:p>
             <a:fld id="{65A80631-54B1-48E6-A9AE-E2FEE8DCC965}" type="datetimeFigureOut">
               <a:rPr lang="en-AU" smtClean="0"/>
-              <a:t>2/06/2020</a:t>
+              <a:t>2/07/2020</a:t>
             </a:fld>
             <a:endParaRPr lang="en-AU"/>
           </a:p>
@@ -912,7 +912,7 @@
           <a:p>
             <a:fld id="{8E637067-6E96-407E-932C-BC7D980752C7}" type="datetime1">
               <a:rPr lang="en-AU" smtClean="0"/>
-              <a:t>2/06/2020</a:t>
+              <a:t>2/07/2020</a:t>
             </a:fld>
             <a:endParaRPr lang="en-AU"/>
           </a:p>
@@ -1174,7 +1174,7 @@
           <a:p>
             <a:fld id="{E2450903-EBF7-48C2-8550-1833C12F0AA6}" type="datetime1">
               <a:rPr lang="en-AU" smtClean="0"/>
-              <a:t>2/06/2020</a:t>
+              <a:t>2/07/2020</a:t>
             </a:fld>
             <a:endParaRPr lang="en-AU"/>
           </a:p>
@@ -1384,7 +1384,7 @@
           <a:p>
             <a:fld id="{0719D9BD-B01A-4CEF-A6CB-21D7A6F8D6F2}" type="datetime1">
               <a:rPr lang="en-AU" smtClean="0"/>
-              <a:t>2/06/2020</a:t>
+              <a:t>2/07/2020</a:t>
             </a:fld>
             <a:endParaRPr lang="en-AU"/>
           </a:p>
@@ -1614,7 +1614,7 @@
           <a:p>
             <a:fld id="{C64969CA-26E5-45A2-B10F-C1180E7CBD2D}" type="datetime1">
               <a:rPr lang="en-AU" smtClean="0"/>
-              <a:t>2/06/2020</a:t>
+              <a:t>2/07/2020</a:t>
             </a:fld>
             <a:endParaRPr lang="en-AU"/>
           </a:p>
@@ -1909,7 +1909,7 @@
           <a:p>
             <a:fld id="{5F7A2204-BE50-4E48-9789-6C6AAA30A7A2}" type="datetime1">
               <a:rPr lang="en-AU" smtClean="0"/>
-              <a:t>2/06/2020</a:t>
+              <a:t>2/07/2020</a:t>
             </a:fld>
             <a:endParaRPr lang="en-AU"/>
           </a:p>
@@ -2207,7 +2207,7 @@
           <a:p>
             <a:fld id="{721A5C3F-BE4F-4851-AF67-8A75069083E7}" type="datetime1">
               <a:rPr lang="en-AU" smtClean="0"/>
-              <a:t>2/06/2020</a:t>
+              <a:t>2/07/2020</a:t>
             </a:fld>
             <a:endParaRPr lang="en-AU"/>
           </a:p>
@@ -2622,7 +2622,7 @@
           <a:p>
             <a:fld id="{55A3E711-E32B-4CCD-82F0-95CC8451035B}" type="datetime1">
               <a:rPr lang="en-AU" smtClean="0"/>
-              <a:t>2/06/2020</a:t>
+              <a:t>2/07/2020</a:t>
             </a:fld>
             <a:endParaRPr lang="en-AU"/>
           </a:p>
@@ -2764,7 +2764,7 @@
           <a:p>
             <a:fld id="{EF07BE97-ED60-462F-A348-14836DED808A}" type="datetime1">
               <a:rPr lang="en-AU" smtClean="0"/>
-              <a:t>2/06/2020</a:t>
+              <a:t>2/07/2020</a:t>
             </a:fld>
             <a:endParaRPr lang="en-AU"/>
           </a:p>
@@ -2882,7 +2882,7 @@
           <a:p>
             <a:fld id="{E97282B5-37CB-4082-B12E-83D5EDF75E4A}" type="datetime1">
               <a:rPr lang="en-AU" smtClean="0"/>
-              <a:t>2/06/2020</a:t>
+              <a:t>2/07/2020</a:t>
             </a:fld>
             <a:endParaRPr lang="en-AU"/>
           </a:p>
@@ -3214,7 +3214,7 @@
           <a:p>
             <a:fld id="{C7C2990E-F309-4F24-BA9A-9107C2FDEECF}" type="datetime1">
               <a:rPr lang="en-AU" smtClean="0"/>
-              <a:t>2/06/2020</a:t>
+              <a:t>2/07/2020</a:t>
             </a:fld>
             <a:endParaRPr lang="en-AU"/>
           </a:p>
@@ -3503,7 +3503,7 @@
           <a:p>
             <a:fld id="{80C6DB83-2A7E-4062-A2D1-F8DFAD5107D5}" type="datetime1">
               <a:rPr lang="en-AU" smtClean="0"/>
-              <a:t>2/06/2020</a:t>
+              <a:t>2/07/2020</a:t>
             </a:fld>
             <a:endParaRPr lang="en-AU"/>
           </a:p>
@@ -3748,7 +3748,7 @@
           <a:p>
             <a:fld id="{0579ABAF-0E04-4612-BCFD-9F946A6B758B}" type="datetime1">
               <a:rPr lang="en-AU" smtClean="0"/>
-              <a:t>2/06/2020</a:t>
+              <a:t>2/07/2020</a:t>
             </a:fld>
             <a:endParaRPr lang="en-AU"/>
           </a:p>
@@ -5147,7 +5147,7 @@
         </p:blipFill>
         <p:spPr>
           <a:xfrm>
-            <a:off x="4924425" y="1866899"/>
+            <a:off x="4912702" y="1767174"/>
             <a:ext cx="2789360" cy="3719147"/>
           </a:xfrm>
           <a:prstGeom prst="rect">
@@ -5155,6 +5155,221 @@
           </a:prstGeom>
         </p:spPr>
       </p:pic>
+      <p:sp>
+        <p:nvSpPr>
+          <p:cNvPr id="7" name="Content Placeholder 2">
+            <a:extLst>
+              <a:ext uri="{FF2B5EF4-FFF2-40B4-BE49-F238E27FC236}">
+                <a16:creationId xmlns:a16="http://schemas.microsoft.com/office/drawing/2014/main" id="{47BE60EA-68A7-4BB3-BFEB-93F70330121F}"/>
+              </a:ext>
+            </a:extLst>
+          </p:cNvPr>
+          <p:cNvSpPr txBox="1">
+            <a:spLocks/>
+          </p:cNvSpPr>
+          <p:nvPr/>
+        </p:nvSpPr>
+        <p:spPr>
+          <a:xfrm>
+            <a:off x="744415" y="5611404"/>
+            <a:ext cx="10515600" cy="1121513"/>
+          </a:xfrm>
+          <a:prstGeom prst="rect">
+            <a:avLst/>
+          </a:prstGeom>
+        </p:spPr>
+        <p:txBody>
+          <a:bodyPr vert="horz" lIns="91440" tIns="45720" rIns="91440" bIns="45720" rtlCol="0">
+            <a:normAutofit/>
+          </a:bodyPr>
+          <a:lstStyle>
+            <a:lvl1pPr marL="228600" indent="-228600" algn="l" defTabSz="914400" rtl="0" eaLnBrk="1" latinLnBrk="0" hangingPunct="1">
+              <a:lnSpc>
+                <a:spcPct val="90000"/>
+              </a:lnSpc>
+              <a:spcBef>
+                <a:spcPts val="1000"/>
+              </a:spcBef>
+              <a:buFont typeface="Arial" panose="020B0604020202020204" pitchFamily="34" charset="0"/>
+              <a:buChar char="•"/>
+              <a:defRPr sz="2800" kern="1200">
+                <a:solidFill>
+                  <a:schemeClr val="tx1"/>
+                </a:solidFill>
+                <a:latin typeface="TH Sarabun New" panose="020B0500040200020003" pitchFamily="34" charset="-34"/>
+                <a:ea typeface="+mn-ea"/>
+                <a:cs typeface="TH Sarabun New" panose="020B0500040200020003" pitchFamily="34" charset="-34"/>
+              </a:defRPr>
+            </a:lvl1pPr>
+            <a:lvl2pPr marL="685800" indent="-228600" algn="l" defTabSz="914400" rtl="0" eaLnBrk="1" latinLnBrk="0" hangingPunct="1">
+              <a:lnSpc>
+                <a:spcPct val="90000"/>
+              </a:lnSpc>
+              <a:spcBef>
+                <a:spcPts val="500"/>
+              </a:spcBef>
+              <a:buFont typeface="Arial" panose="020B0604020202020204" pitchFamily="34" charset="0"/>
+              <a:buChar char="•"/>
+              <a:defRPr sz="2400" kern="1200">
+                <a:solidFill>
+                  <a:srgbClr val="0070C0"/>
+                </a:solidFill>
+                <a:latin typeface="TH Sarabun New" panose="020B0500040200020003" pitchFamily="34" charset="-34"/>
+                <a:ea typeface="+mn-ea"/>
+                <a:cs typeface="TH Sarabun New" panose="020B0500040200020003" pitchFamily="34" charset="-34"/>
+              </a:defRPr>
+            </a:lvl2pPr>
+            <a:lvl3pPr marL="1143000" indent="-228600" algn="l" defTabSz="914400" rtl="0" eaLnBrk="1" latinLnBrk="0" hangingPunct="1">
+              <a:lnSpc>
+                <a:spcPct val="90000"/>
+              </a:lnSpc>
+              <a:spcBef>
+                <a:spcPts val="500"/>
+              </a:spcBef>
+              <a:buFont typeface="Arial" panose="020B0604020202020204" pitchFamily="34" charset="0"/>
+              <a:buChar char="•"/>
+              <a:defRPr sz="2000" kern="1200">
+                <a:solidFill>
+                  <a:srgbClr val="C00000"/>
+                </a:solidFill>
+                <a:latin typeface="TH Sarabun New" panose="020B0500040200020003" pitchFamily="34" charset="-34"/>
+                <a:ea typeface="+mn-ea"/>
+                <a:cs typeface="TH Sarabun New" panose="020B0500040200020003" pitchFamily="34" charset="-34"/>
+              </a:defRPr>
+            </a:lvl3pPr>
+            <a:lvl4pPr marL="1600200" indent="-228600" algn="l" defTabSz="914400" rtl="0" eaLnBrk="1" latinLnBrk="0" hangingPunct="1">
+              <a:lnSpc>
+                <a:spcPct val="90000"/>
+              </a:lnSpc>
+              <a:spcBef>
+                <a:spcPts val="500"/>
+              </a:spcBef>
+              <a:buFont typeface="Arial" panose="020B0604020202020204" pitchFamily="34" charset="0"/>
+              <a:buChar char="•"/>
+              <a:defRPr sz="1800" kern="1200">
+                <a:solidFill>
+                  <a:schemeClr val="tx1"/>
+                </a:solidFill>
+                <a:latin typeface="TH Sarabun New" panose="020B0500040200020003" pitchFamily="34" charset="-34"/>
+                <a:ea typeface="+mn-ea"/>
+                <a:cs typeface="TH Sarabun New" panose="020B0500040200020003" pitchFamily="34" charset="-34"/>
+              </a:defRPr>
+            </a:lvl4pPr>
+            <a:lvl5pPr marL="2057400" indent="-228600" algn="l" defTabSz="914400" rtl="0" eaLnBrk="1" latinLnBrk="0" hangingPunct="1">
+              <a:lnSpc>
+                <a:spcPct val="90000"/>
+              </a:lnSpc>
+              <a:spcBef>
+                <a:spcPts val="500"/>
+              </a:spcBef>
+              <a:buFont typeface="Arial" panose="020B0604020202020204" pitchFamily="34" charset="0"/>
+              <a:buChar char="•"/>
+              <a:defRPr sz="1800" kern="1200">
+                <a:solidFill>
+                  <a:schemeClr val="tx1"/>
+                </a:solidFill>
+                <a:latin typeface="TH Sarabun New" panose="020B0500040200020003" pitchFamily="34" charset="-34"/>
+                <a:ea typeface="+mn-ea"/>
+                <a:cs typeface="TH Sarabun New" panose="020B0500040200020003" pitchFamily="34" charset="-34"/>
+              </a:defRPr>
+            </a:lvl5pPr>
+            <a:lvl6pPr marL="2514600" indent="-228600" algn="l" defTabSz="914400" rtl="0" eaLnBrk="1" latinLnBrk="0" hangingPunct="1">
+              <a:lnSpc>
+                <a:spcPct val="90000"/>
+              </a:lnSpc>
+              <a:spcBef>
+                <a:spcPts val="500"/>
+              </a:spcBef>
+              <a:buFont typeface="Arial" panose="020B0604020202020204" pitchFamily="34" charset="0"/>
+              <a:buChar char="•"/>
+              <a:defRPr sz="1800" kern="1200">
+                <a:solidFill>
+                  <a:schemeClr val="tx1"/>
+                </a:solidFill>
+                <a:latin typeface="+mn-lt"/>
+                <a:ea typeface="+mn-ea"/>
+                <a:cs typeface="+mn-cs"/>
+              </a:defRPr>
+            </a:lvl6pPr>
+            <a:lvl7pPr marL="2971800" indent="-228600" algn="l" defTabSz="914400" rtl="0" eaLnBrk="1" latinLnBrk="0" hangingPunct="1">
+              <a:lnSpc>
+                <a:spcPct val="90000"/>
+              </a:lnSpc>
+              <a:spcBef>
+                <a:spcPts val="500"/>
+              </a:spcBef>
+              <a:buFont typeface="Arial" panose="020B0604020202020204" pitchFamily="34" charset="0"/>
+              <a:buChar char="•"/>
+              <a:defRPr sz="1800" kern="1200">
+                <a:solidFill>
+                  <a:schemeClr val="tx1"/>
+                </a:solidFill>
+                <a:latin typeface="+mn-lt"/>
+                <a:ea typeface="+mn-ea"/>
+                <a:cs typeface="+mn-cs"/>
+              </a:defRPr>
+            </a:lvl7pPr>
+            <a:lvl8pPr marL="3429000" indent="-228600" algn="l" defTabSz="914400" rtl="0" eaLnBrk="1" latinLnBrk="0" hangingPunct="1">
+              <a:lnSpc>
+                <a:spcPct val="90000"/>
+              </a:lnSpc>
+              <a:spcBef>
+                <a:spcPts val="500"/>
+              </a:spcBef>
+              <a:buFont typeface="Arial" panose="020B0604020202020204" pitchFamily="34" charset="0"/>
+              <a:buChar char="•"/>
+              <a:defRPr sz="1800" kern="1200">
+                <a:solidFill>
+                  <a:schemeClr val="tx1"/>
+                </a:solidFill>
+                <a:latin typeface="+mn-lt"/>
+                <a:ea typeface="+mn-ea"/>
+                <a:cs typeface="+mn-cs"/>
+              </a:defRPr>
+            </a:lvl8pPr>
+            <a:lvl9pPr marL="3886200" indent="-228600" algn="l" defTabSz="914400" rtl="0" eaLnBrk="1" latinLnBrk="0" hangingPunct="1">
+              <a:lnSpc>
+                <a:spcPct val="90000"/>
+              </a:lnSpc>
+              <a:spcBef>
+                <a:spcPts val="500"/>
+              </a:spcBef>
+              <a:buFont typeface="Arial" panose="020B0604020202020204" pitchFamily="34" charset="0"/>
+              <a:buChar char="•"/>
+              <a:defRPr sz="1800" kern="1200">
+                <a:solidFill>
+                  <a:schemeClr val="tx1"/>
+                </a:solidFill>
+                <a:latin typeface="+mn-lt"/>
+                <a:ea typeface="+mn-ea"/>
+                <a:cs typeface="+mn-cs"/>
+              </a:defRPr>
+            </a:lvl9pPr>
+          </a:lstStyle>
+          <a:p>
+            <a:r>
+              <a:rPr lang="th-TH" dirty="0"/>
+              <a:t>หากไม่มีให้ติดตั้ง</a:t>
+            </a:r>
+            <a:r>
+              <a:rPr lang="en-AU" dirty="0"/>
+              <a:t> virtual environment</a:t>
+            </a:r>
+          </a:p>
+          <a:p>
+            <a:pPr lvl="1"/>
+            <a:r>
+              <a:rPr lang="en-AU" dirty="0"/>
+              <a:t>python -m pip install --user </a:t>
+            </a:r>
+            <a:r>
+              <a:rPr lang="en-AU" dirty="0" err="1"/>
+              <a:t>virtualenv</a:t>
+            </a:r>
+            <a:endParaRPr lang="en-AU" dirty="0"/>
+          </a:p>
+        </p:txBody>
+      </p:sp>
     </p:spTree>
     <p:extLst>
       <p:ext uri="{BB962C8B-B14F-4D97-AF65-F5344CB8AC3E}">
@@ -5286,7 +5501,7 @@
                   <a:srgbClr val="FF0000"/>
                 </a:solidFill>
               </a:rPr>
-              <a:t>E:\UncleEngineerDjango</a:t>
+              <a:t>E:\Django50Hours</a:t>
             </a:r>
           </a:p>
           <a:p>
